--- a/schematic/schematic.pptx
+++ b/schematic/schematic.pptx
@@ -104,6 +104,11 @@
       </a:defRPr>
     </a:lvl9pPr>
   </p:defaultTextStyle>
+  <p:extLst>
+    <p:ext uri="{EFAFB233-063F-42B5-8137-9DF3F51BA10A}">
+      <p15:sldGuideLst xmlns:p15="http://schemas.microsoft.com/office/powerpoint/2012/main"/>
+    </p:ext>
+  </p:extLst>
 </p:presentation>
 </file>
 
@@ -254,7 +259,7 @@
           <a:p>
             <a:fld id="{C5B72732-F4E1-3F4F-A274-6E860B12E230}" type="datetimeFigureOut">
               <a:rPr lang="en-US" smtClean="0"/>
-              <a:t>6/3/24</a:t>
+              <a:t>6/5/24</a:t>
             </a:fld>
             <a:endParaRPr lang="en-US"/>
           </a:p>
@@ -452,7 +457,7 @@
           <a:p>
             <a:fld id="{C5B72732-F4E1-3F4F-A274-6E860B12E230}" type="datetimeFigureOut">
               <a:rPr lang="en-US" smtClean="0"/>
-              <a:t>6/3/24</a:t>
+              <a:t>6/5/24</a:t>
             </a:fld>
             <a:endParaRPr lang="en-US"/>
           </a:p>
@@ -660,7 +665,7 @@
           <a:p>
             <a:fld id="{C5B72732-F4E1-3F4F-A274-6E860B12E230}" type="datetimeFigureOut">
               <a:rPr lang="en-US" smtClean="0"/>
-              <a:t>6/3/24</a:t>
+              <a:t>6/5/24</a:t>
             </a:fld>
             <a:endParaRPr lang="en-US"/>
           </a:p>
@@ -858,7 +863,7 @@
           <a:p>
             <a:fld id="{C5B72732-F4E1-3F4F-A274-6E860B12E230}" type="datetimeFigureOut">
               <a:rPr lang="en-US" smtClean="0"/>
-              <a:t>6/3/24</a:t>
+              <a:t>6/5/24</a:t>
             </a:fld>
             <a:endParaRPr lang="en-US"/>
           </a:p>
@@ -1133,7 +1138,7 @@
           <a:p>
             <a:fld id="{C5B72732-F4E1-3F4F-A274-6E860B12E230}" type="datetimeFigureOut">
               <a:rPr lang="en-US" smtClean="0"/>
-              <a:t>6/3/24</a:t>
+              <a:t>6/5/24</a:t>
             </a:fld>
             <a:endParaRPr lang="en-US"/>
           </a:p>
@@ -1398,7 +1403,7 @@
           <a:p>
             <a:fld id="{C5B72732-F4E1-3F4F-A274-6E860B12E230}" type="datetimeFigureOut">
               <a:rPr lang="en-US" smtClean="0"/>
-              <a:t>6/3/24</a:t>
+              <a:t>6/5/24</a:t>
             </a:fld>
             <a:endParaRPr lang="en-US"/>
           </a:p>
@@ -1810,7 +1815,7 @@
           <a:p>
             <a:fld id="{C5B72732-F4E1-3F4F-A274-6E860B12E230}" type="datetimeFigureOut">
               <a:rPr lang="en-US" smtClean="0"/>
-              <a:t>6/3/24</a:t>
+              <a:t>6/5/24</a:t>
             </a:fld>
             <a:endParaRPr lang="en-US"/>
           </a:p>
@@ -1951,7 +1956,7 @@
           <a:p>
             <a:fld id="{C5B72732-F4E1-3F4F-A274-6E860B12E230}" type="datetimeFigureOut">
               <a:rPr lang="en-US" smtClean="0"/>
-              <a:t>6/3/24</a:t>
+              <a:t>6/5/24</a:t>
             </a:fld>
             <a:endParaRPr lang="en-US"/>
           </a:p>
@@ -2064,7 +2069,7 @@
           <a:p>
             <a:fld id="{C5B72732-F4E1-3F4F-A274-6E860B12E230}" type="datetimeFigureOut">
               <a:rPr lang="en-US" smtClean="0"/>
-              <a:t>6/3/24</a:t>
+              <a:t>6/5/24</a:t>
             </a:fld>
             <a:endParaRPr lang="en-US"/>
           </a:p>
@@ -2375,7 +2380,7 @@
           <a:p>
             <a:fld id="{C5B72732-F4E1-3F4F-A274-6E860B12E230}" type="datetimeFigureOut">
               <a:rPr lang="en-US" smtClean="0"/>
-              <a:t>6/3/24</a:t>
+              <a:t>6/5/24</a:t>
             </a:fld>
             <a:endParaRPr lang="en-US"/>
           </a:p>
@@ -2663,7 +2668,7 @@
           <a:p>
             <a:fld id="{C5B72732-F4E1-3F4F-A274-6E860B12E230}" type="datetimeFigureOut">
               <a:rPr lang="en-US" smtClean="0"/>
-              <a:t>6/3/24</a:t>
+              <a:t>6/5/24</a:t>
             </a:fld>
             <a:endParaRPr lang="en-US"/>
           </a:p>
@@ -2904,7 +2909,7 @@
           <a:p>
             <a:fld id="{C5B72732-F4E1-3F4F-A274-6E860B12E230}" type="datetimeFigureOut">
               <a:rPr lang="en-US" smtClean="0"/>
-              <a:t>6/3/24</a:t>
+              <a:t>6/5/24</a:t>
             </a:fld>
             <a:endParaRPr lang="en-US"/>
           </a:p>
@@ -3323,10 +3328,10 @@
       </p:grpSpPr>
       <p:pic>
         <p:nvPicPr>
-          <p:cNvPr id="29" name="Picture 28">
-            <a:extLst>
-              <a:ext uri="{FF2B5EF4-FFF2-40B4-BE49-F238E27FC236}">
-                <a16:creationId xmlns:a16="http://schemas.microsoft.com/office/drawing/2014/main" id="{AB50CB27-317E-860F-7585-0CE11FF332F0}"/>
+          <p:cNvPr id="23" name="Picture 22">
+            <a:extLst>
+              <a:ext uri="{FF2B5EF4-FFF2-40B4-BE49-F238E27FC236}">
+                <a16:creationId xmlns:a16="http://schemas.microsoft.com/office/drawing/2014/main" id="{ECF53838-E883-33CC-0699-06F4182A3699}"/>
               </a:ext>
             </a:extLst>
           </p:cNvPr>
@@ -3337,95 +3342,36 @@
         </p:nvPicPr>
         <p:blipFill>
           <a:blip r:embed="rId2"/>
-          <a:srcRect/>
-          <a:stretch/>
+          <a:stretch>
+            <a:fillRect/>
+          </a:stretch>
         </p:blipFill>
         <p:spPr>
           <a:xfrm>
-            <a:off x="3690534" y="3599606"/>
-            <a:ext cx="4825326" cy="2756511"/>
+            <a:off x="4014541" y="152399"/>
+            <a:ext cx="3447747" cy="1685279"/>
           </a:xfrm>
           <a:prstGeom prst="rect">
             <a:avLst/>
           </a:prstGeom>
         </p:spPr>
       </p:pic>
-      <p:pic>
-        <p:nvPicPr>
-          <p:cNvPr id="9" name="Picture 8">
-            <a:extLst>
-              <a:ext uri="{FF2B5EF4-FFF2-40B4-BE49-F238E27FC236}">
-                <a16:creationId xmlns:a16="http://schemas.microsoft.com/office/drawing/2014/main" id="{E50AF2BE-2023-3232-4C1F-01FCFA362AA7}"/>
-              </a:ext>
-            </a:extLst>
-          </p:cNvPr>
-          <p:cNvPicPr>
-            <a:picLocks noChangeAspect="1"/>
-          </p:cNvPicPr>
+      <p:sp>
+        <p:nvSpPr>
+          <p:cNvPr id="17" name="TextBox 16">
+            <a:extLst>
+              <a:ext uri="{FF2B5EF4-FFF2-40B4-BE49-F238E27FC236}">
+                <a16:creationId xmlns:a16="http://schemas.microsoft.com/office/drawing/2014/main" id="{E2584657-9573-2CD1-80FB-1B7292A82B29}"/>
+              </a:ext>
+            </a:extLst>
+          </p:cNvPr>
+          <p:cNvSpPr txBox="1"/>
           <p:nvPr/>
-        </p:nvPicPr>
-        <p:blipFill>
-          <a:blip r:embed="rId3"/>
-          <a:stretch>
-            <a:fillRect/>
-          </a:stretch>
-        </p:blipFill>
+        </p:nvSpPr>
         <p:spPr>
           <a:xfrm>
-            <a:off x="6095998" y="1989993"/>
-            <a:ext cx="2357767" cy="1502066"/>
-          </a:xfrm>
-          <a:prstGeom prst="rect">
-            <a:avLst/>
-          </a:prstGeom>
-        </p:spPr>
-      </p:pic>
-      <p:pic>
-        <p:nvPicPr>
-          <p:cNvPr id="11" name="Picture 10">
-            <a:extLst>
-              <a:ext uri="{FF2B5EF4-FFF2-40B4-BE49-F238E27FC236}">
-                <a16:creationId xmlns:a16="http://schemas.microsoft.com/office/drawing/2014/main" id="{956BCCEE-E785-D330-FB7A-F21EB9FB97CF}"/>
-              </a:ext>
-            </a:extLst>
-          </p:cNvPr>
-          <p:cNvPicPr>
-            <a:picLocks noChangeAspect="1"/>
-          </p:cNvPicPr>
-          <p:nvPr/>
-        </p:nvPicPr>
-        <p:blipFill>
-          <a:blip r:embed="rId4"/>
-          <a:stretch>
-            <a:fillRect/>
-          </a:stretch>
-        </p:blipFill>
-        <p:spPr>
-          <a:xfrm>
-            <a:off x="3692273" y="1985360"/>
-            <a:ext cx="2324272" cy="1511331"/>
-          </a:xfrm>
-          <a:prstGeom prst="rect">
-            <a:avLst/>
-          </a:prstGeom>
-        </p:spPr>
-      </p:pic>
-      <p:sp>
-        <p:nvSpPr>
-          <p:cNvPr id="12" name="TextBox 11">
-            <a:extLst>
-              <a:ext uri="{FF2B5EF4-FFF2-40B4-BE49-F238E27FC236}">
-                <a16:creationId xmlns:a16="http://schemas.microsoft.com/office/drawing/2014/main" id="{4C9F7B51-3F62-B117-E800-7CF5594B9BF0}"/>
-              </a:ext>
-            </a:extLst>
-          </p:cNvPr>
-          <p:cNvSpPr txBox="1"/>
-          <p:nvPr/>
-        </p:nvSpPr>
-        <p:spPr>
-          <a:xfrm>
-            <a:off x="7538014" y="650799"/>
-            <a:ext cx="755335" cy="461665"/>
+            <a:off x="4070671" y="328804"/>
+            <a:ext cx="312906" cy="276999"/>
           </a:xfrm>
           <a:prstGeom prst="rect">
             <a:avLst/>
@@ -3458,7 +3404,150 @@
                 <a:ea typeface="DejaVu Sans Condensed" panose="020B0603030804020204" pitchFamily="34" charset="0"/>
                 <a:cs typeface="DejaVu Sans Condensed" panose="020B0603030804020204" pitchFamily="34" charset="0"/>
               </a:rPr>
-              <a:t>22.2</a:t>
+              <a:t>a.</a:t>
+            </a:r>
+          </a:p>
+        </p:txBody>
+      </p:sp>
+      <p:pic>
+        <p:nvPicPr>
+          <p:cNvPr id="29" name="Picture 28">
+            <a:extLst>
+              <a:ext uri="{FF2B5EF4-FFF2-40B4-BE49-F238E27FC236}">
+                <a16:creationId xmlns:a16="http://schemas.microsoft.com/office/drawing/2014/main" id="{AB50CB27-317E-860F-7585-0CE11FF332F0}"/>
+              </a:ext>
+            </a:extLst>
+          </p:cNvPr>
+          <p:cNvPicPr>
+            <a:picLocks noChangeAspect="1"/>
+          </p:cNvPicPr>
+          <p:nvPr/>
+        </p:nvPicPr>
+        <p:blipFill>
+          <a:blip r:embed="rId3"/>
+          <a:srcRect/>
+          <a:stretch/>
+        </p:blipFill>
+        <p:spPr>
+          <a:xfrm>
+            <a:off x="3617517" y="3481463"/>
+            <a:ext cx="5170634" cy="3016203"/>
+          </a:xfrm>
+          <a:prstGeom prst="rect">
+            <a:avLst/>
+          </a:prstGeom>
+        </p:spPr>
+      </p:pic>
+      <p:pic>
+        <p:nvPicPr>
+          <p:cNvPr id="9" name="Picture 8">
+            <a:extLst>
+              <a:ext uri="{FF2B5EF4-FFF2-40B4-BE49-F238E27FC236}">
+                <a16:creationId xmlns:a16="http://schemas.microsoft.com/office/drawing/2014/main" id="{E50AF2BE-2023-3232-4C1F-01FCFA362AA7}"/>
+              </a:ext>
+            </a:extLst>
+          </p:cNvPr>
+          <p:cNvPicPr>
+            <a:picLocks noChangeAspect="1"/>
+          </p:cNvPicPr>
+          <p:nvPr/>
+        </p:nvPicPr>
+        <p:blipFill>
+          <a:blip r:embed="rId4"/>
+          <a:srcRect/>
+          <a:stretch/>
+        </p:blipFill>
+        <p:spPr>
+          <a:xfrm>
+            <a:off x="6123307" y="1873123"/>
+            <a:ext cx="2457111" cy="1638074"/>
+          </a:xfrm>
+          <a:prstGeom prst="rect">
+            <a:avLst/>
+          </a:prstGeom>
+        </p:spPr>
+      </p:pic>
+      <p:pic>
+        <p:nvPicPr>
+          <p:cNvPr id="11" name="Picture 10">
+            <a:extLst>
+              <a:ext uri="{FF2B5EF4-FFF2-40B4-BE49-F238E27FC236}">
+                <a16:creationId xmlns:a16="http://schemas.microsoft.com/office/drawing/2014/main" id="{956BCCEE-E785-D330-FB7A-F21EB9FB97CF}"/>
+              </a:ext>
+            </a:extLst>
+          </p:cNvPr>
+          <p:cNvPicPr>
+            <a:picLocks noChangeAspect="1"/>
+          </p:cNvPicPr>
+          <p:nvPr/>
+        </p:nvPicPr>
+        <p:blipFill>
+          <a:blip r:embed="rId5"/>
+          <a:srcRect/>
+          <a:stretch/>
+        </p:blipFill>
+        <p:spPr>
+          <a:xfrm>
+            <a:off x="3641708" y="1873123"/>
+            <a:ext cx="2483777" cy="1638074"/>
+          </a:xfrm>
+          <a:prstGeom prst="rect">
+            <a:avLst/>
+          </a:prstGeom>
+        </p:spPr>
+      </p:pic>
+      <p:sp>
+        <p:nvSpPr>
+          <p:cNvPr id="12" name="TextBox 11">
+            <a:extLst>
+              <a:ext uri="{FF2B5EF4-FFF2-40B4-BE49-F238E27FC236}">
+                <a16:creationId xmlns:a16="http://schemas.microsoft.com/office/drawing/2014/main" id="{4C9F7B51-3F62-B117-E800-7CF5594B9BF0}"/>
+              </a:ext>
+            </a:extLst>
+          </p:cNvPr>
+          <p:cNvSpPr txBox="1"/>
+          <p:nvPr/>
+        </p:nvSpPr>
+        <p:spPr>
+          <a:xfrm>
+            <a:off x="7664134" y="650799"/>
+            <a:ext cx="755336" cy="461665"/>
+          </a:xfrm>
+          <a:prstGeom prst="rect">
+            <a:avLst/>
+          </a:prstGeom>
+          <a:solidFill>
+            <a:srgbClr val="BEE1EC"/>
+          </a:solidFill>
+        </p:spPr>
+        <p:style>
+          <a:lnRef idx="2">
+            <a:schemeClr val="dk1"/>
+          </a:lnRef>
+          <a:fillRef idx="1">
+            <a:schemeClr val="lt1"/>
+          </a:fillRef>
+          <a:effectRef idx="0">
+            <a:schemeClr val="dk1"/>
+          </a:effectRef>
+          <a:fontRef idx="minor">
+            <a:schemeClr val="dk1"/>
+          </a:fontRef>
+        </p:style>
+        <p:txBody>
+          <a:bodyPr wrap="none" rtlCol="0">
+            <a:spAutoFit/>
+          </a:bodyPr>
+          <a:lstStyle/>
+          <a:p>
+            <a:pPr algn="ctr"/>
+            <a:r>
+              <a:rPr lang="en-US" sz="1200" dirty="0">
+                <a:latin typeface="DejaVu Sans Condensed" panose="020B0603030804020204" pitchFamily="34" charset="0"/>
+                <a:ea typeface="DejaVu Sans Condensed" panose="020B0603030804020204" pitchFamily="34" charset="0"/>
+                <a:cs typeface="DejaVu Sans Condensed" panose="020B0603030804020204" pitchFamily="34" charset="0"/>
+              </a:rPr>
+              <a:t>18.2</a:t>
             </a:r>
             <a:br>
               <a:rPr lang="en-US" sz="1200" dirty="0">
@@ -3492,7 +3581,7 @@
         </p:nvSpPr>
         <p:spPr>
           <a:xfrm>
-            <a:off x="7371857" y="171445"/>
+            <a:off x="7497977" y="171445"/>
             <a:ext cx="175485" cy="1436638"/>
           </a:xfrm>
           <a:prstGeom prst="rightBrace">
@@ -3533,10 +3622,10 @@
       </p:sp>
       <p:sp>
         <p:nvSpPr>
-          <p:cNvPr id="17" name="TextBox 16">
-            <a:extLst>
-              <a:ext uri="{FF2B5EF4-FFF2-40B4-BE49-F238E27FC236}">
-                <a16:creationId xmlns:a16="http://schemas.microsoft.com/office/drawing/2014/main" id="{E2584657-9573-2CD1-80FB-1B7292A82B29}"/>
+          <p:cNvPr id="18" name="TextBox 17">
+            <a:extLst>
+              <a:ext uri="{FF2B5EF4-FFF2-40B4-BE49-F238E27FC236}">
+                <a16:creationId xmlns:a16="http://schemas.microsoft.com/office/drawing/2014/main" id="{989C5EFE-71E1-4644-8905-68D496DD14B8}"/>
               </a:ext>
             </a:extLst>
           </p:cNvPr>
@@ -3545,8 +3634,8 @@
         </p:nvSpPr>
         <p:spPr>
           <a:xfrm>
-            <a:off x="3408398" y="108010"/>
-            <a:ext cx="357790" cy="338554"/>
+            <a:off x="3985697" y="2035510"/>
+            <a:ext cx="316112" cy="276999"/>
           </a:xfrm>
           <a:prstGeom prst="rect">
             <a:avLst/>
@@ -3574,22 +3663,22 @@
           <a:p>
             <a:pPr algn="ctr"/>
             <a:r>
-              <a:rPr lang="en-US" sz="1600" dirty="0">
+              <a:rPr lang="en-US" sz="1200" dirty="0">
                 <a:latin typeface="DejaVu Sans Condensed" panose="020B0603030804020204" pitchFamily="34" charset="0"/>
                 <a:ea typeface="DejaVu Sans Condensed" panose="020B0603030804020204" pitchFamily="34" charset="0"/>
                 <a:cs typeface="DejaVu Sans Condensed" panose="020B0603030804020204" pitchFamily="34" charset="0"/>
               </a:rPr>
-              <a:t>a.</a:t>
-            </a:r>
-          </a:p>
-        </p:txBody>
-      </p:sp>
-      <p:sp>
-        <p:nvSpPr>
-          <p:cNvPr id="18" name="TextBox 17">
-            <a:extLst>
-              <a:ext uri="{FF2B5EF4-FFF2-40B4-BE49-F238E27FC236}">
-                <a16:creationId xmlns:a16="http://schemas.microsoft.com/office/drawing/2014/main" id="{989C5EFE-71E1-4644-8905-68D496DD14B8}"/>
+              <a:t>b.</a:t>
+            </a:r>
+          </a:p>
+        </p:txBody>
+      </p:sp>
+      <p:sp>
+        <p:nvSpPr>
+          <p:cNvPr id="19" name="TextBox 18">
+            <a:extLst>
+              <a:ext uri="{FF2B5EF4-FFF2-40B4-BE49-F238E27FC236}">
+                <a16:creationId xmlns:a16="http://schemas.microsoft.com/office/drawing/2014/main" id="{63FD3738-494E-296A-E045-969F9F10343F}"/>
               </a:ext>
             </a:extLst>
           </p:cNvPr>
@@ -3598,8 +3687,8 @@
         </p:nvSpPr>
         <p:spPr>
           <a:xfrm>
-            <a:off x="3410051" y="1750736"/>
-            <a:ext cx="360996" cy="338554"/>
+            <a:off x="4059269" y="3579491"/>
+            <a:ext cx="303288" cy="276999"/>
           </a:xfrm>
           <a:prstGeom prst="rect">
             <a:avLst/>
@@ -3627,60 +3716,7 @@
           <a:p>
             <a:pPr algn="ctr"/>
             <a:r>
-              <a:rPr lang="en-US" sz="1600" dirty="0">
-                <a:latin typeface="DejaVu Sans Condensed" panose="020B0603030804020204" pitchFamily="34" charset="0"/>
-                <a:ea typeface="DejaVu Sans Condensed" panose="020B0603030804020204" pitchFamily="34" charset="0"/>
-                <a:cs typeface="DejaVu Sans Condensed" panose="020B0603030804020204" pitchFamily="34" charset="0"/>
-              </a:rPr>
-              <a:t>b.</a:t>
-            </a:r>
-          </a:p>
-        </p:txBody>
-      </p:sp>
-      <p:sp>
-        <p:nvSpPr>
-          <p:cNvPr id="19" name="TextBox 18">
-            <a:extLst>
-              <a:ext uri="{FF2B5EF4-FFF2-40B4-BE49-F238E27FC236}">
-                <a16:creationId xmlns:a16="http://schemas.microsoft.com/office/drawing/2014/main" id="{63FD3738-494E-296A-E045-969F9F10343F}"/>
-              </a:ext>
-            </a:extLst>
-          </p:cNvPr>
-          <p:cNvSpPr txBox="1"/>
-          <p:nvPr/>
-        </p:nvSpPr>
-        <p:spPr>
-          <a:xfrm>
-            <a:off x="3415611" y="3404470"/>
-            <a:ext cx="344966" cy="338554"/>
-          </a:xfrm>
-          <a:prstGeom prst="rect">
-            <a:avLst/>
-          </a:prstGeom>
-        </p:spPr>
-        <p:style>
-          <a:lnRef idx="2">
-            <a:schemeClr val="dk1"/>
-          </a:lnRef>
-          <a:fillRef idx="1">
-            <a:schemeClr val="lt1"/>
-          </a:fillRef>
-          <a:effectRef idx="0">
-            <a:schemeClr val="dk1"/>
-          </a:effectRef>
-          <a:fontRef idx="minor">
-            <a:schemeClr val="dk1"/>
-          </a:fontRef>
-        </p:style>
-        <p:txBody>
-          <a:bodyPr wrap="none" rtlCol="0">
-            <a:spAutoFit/>
-          </a:bodyPr>
-          <a:lstStyle/>
-          <a:p>
-            <a:pPr algn="ctr"/>
-            <a:r>
-              <a:rPr lang="en-US" sz="1600" dirty="0">
+              <a:rPr lang="en-US" sz="1200" dirty="0">
                 <a:latin typeface="DejaVu Sans Condensed" panose="020B0603030804020204" pitchFamily="34" charset="0"/>
                 <a:ea typeface="DejaVu Sans Condensed" panose="020B0603030804020204" pitchFamily="34" charset="0"/>
                 <a:cs typeface="DejaVu Sans Condensed" panose="020B0603030804020204" pitchFamily="34" charset="0"/>
@@ -3690,36 +3726,6 @@
           </a:p>
         </p:txBody>
       </p:sp>
-      <p:pic>
-        <p:nvPicPr>
-          <p:cNvPr id="23" name="Picture 22">
-            <a:extLst>
-              <a:ext uri="{FF2B5EF4-FFF2-40B4-BE49-F238E27FC236}">
-                <a16:creationId xmlns:a16="http://schemas.microsoft.com/office/drawing/2014/main" id="{ECF53838-E883-33CC-0699-06F4182A3699}"/>
-              </a:ext>
-            </a:extLst>
-          </p:cNvPr>
-          <p:cNvPicPr>
-            <a:picLocks noChangeAspect="1"/>
-          </p:cNvPicPr>
-          <p:nvPr/>
-        </p:nvPicPr>
-        <p:blipFill>
-          <a:blip r:embed="rId5"/>
-          <a:stretch>
-            <a:fillRect/>
-          </a:stretch>
-        </p:blipFill>
-        <p:spPr>
-          <a:xfrm>
-            <a:off x="3888421" y="152399"/>
-            <a:ext cx="3447747" cy="1685279"/>
-          </a:xfrm>
-          <a:prstGeom prst="rect">
-            <a:avLst/>
-          </a:prstGeom>
-        </p:spPr>
-      </p:pic>
     </p:spTree>
     <p:extLst>
       <p:ext uri="{BB962C8B-B14F-4D97-AF65-F5344CB8AC3E}">
